--- a/liner-regression/business scenario/linerRegression.pptx
+++ b/liner-regression/business scenario/linerRegression.pptx
@@ -7,6 +7,7 @@
   <p:sldIdLst>
     <p:sldId id="257" r:id="rId2"/>
     <p:sldId id="258" r:id="rId3"/>
+    <p:sldId id="259" r:id="rId4"/>
   </p:sldIdLst>
   <p:sldSz cx="12192000" cy="6858000"/>
   <p:notesSz cx="6858000" cy="9144000"/>
@@ -105,6 +106,11 @@
       </a:defRPr>
     </a:lvl9pPr>
   </p:defaultTextStyle>
+  <p:extLst>
+    <p:ext uri="{EFAFB233-063F-42B5-8137-9DF3F51BA10A}">
+      <p15:sldGuideLst xmlns:p15="http://schemas.microsoft.com/office/powerpoint/2012/main"/>
+    </p:ext>
+  </p:extLst>
 </p:presentation>
 </file>
 
@@ -239,7 +245,7 @@
           <a:p>
             <a:fld id="{A7F415A6-64A5-4015-AA77-572A39F8F1DB}" type="datetimeFigureOut">
               <a:rPr lang="en-US" smtClean="0"/>
-              <a:t>11/5/2017</a:t>
+              <a:t>11/9/2017</a:t>
             </a:fld>
             <a:endParaRPr lang="en-US"/>
           </a:p>
@@ -409,7 +415,7 @@
           <a:p>
             <a:fld id="{A7F415A6-64A5-4015-AA77-572A39F8F1DB}" type="datetimeFigureOut">
               <a:rPr lang="en-US" smtClean="0"/>
-              <a:t>11/5/2017</a:t>
+              <a:t>11/9/2017</a:t>
             </a:fld>
             <a:endParaRPr lang="en-US"/>
           </a:p>
@@ -589,7 +595,7 @@
           <a:p>
             <a:fld id="{A7F415A6-64A5-4015-AA77-572A39F8F1DB}" type="datetimeFigureOut">
               <a:rPr lang="en-US" smtClean="0"/>
-              <a:t>11/5/2017</a:t>
+              <a:t>11/9/2017</a:t>
             </a:fld>
             <a:endParaRPr lang="en-US"/>
           </a:p>
@@ -759,7 +765,7 @@
           <a:p>
             <a:fld id="{A7F415A6-64A5-4015-AA77-572A39F8F1DB}" type="datetimeFigureOut">
               <a:rPr lang="en-US" smtClean="0"/>
-              <a:t>11/5/2017</a:t>
+              <a:t>11/9/2017</a:t>
             </a:fld>
             <a:endParaRPr lang="en-US"/>
           </a:p>
@@ -1005,7 +1011,7 @@
           <a:p>
             <a:fld id="{A7F415A6-64A5-4015-AA77-572A39F8F1DB}" type="datetimeFigureOut">
               <a:rPr lang="en-US" smtClean="0"/>
-              <a:t>11/5/2017</a:t>
+              <a:t>11/9/2017</a:t>
             </a:fld>
             <a:endParaRPr lang="en-US"/>
           </a:p>
@@ -1237,7 +1243,7 @@
           <a:p>
             <a:fld id="{A7F415A6-64A5-4015-AA77-572A39F8F1DB}" type="datetimeFigureOut">
               <a:rPr lang="en-US" smtClean="0"/>
-              <a:t>11/5/2017</a:t>
+              <a:t>11/9/2017</a:t>
             </a:fld>
             <a:endParaRPr lang="en-US"/>
           </a:p>
@@ -1604,7 +1610,7 @@
           <a:p>
             <a:fld id="{A7F415A6-64A5-4015-AA77-572A39F8F1DB}" type="datetimeFigureOut">
               <a:rPr lang="en-US" smtClean="0"/>
-              <a:t>11/5/2017</a:t>
+              <a:t>11/9/2017</a:t>
             </a:fld>
             <a:endParaRPr lang="en-US"/>
           </a:p>
@@ -1722,7 +1728,7 @@
           <a:p>
             <a:fld id="{A7F415A6-64A5-4015-AA77-572A39F8F1DB}" type="datetimeFigureOut">
               <a:rPr lang="en-US" smtClean="0"/>
-              <a:t>11/5/2017</a:t>
+              <a:t>11/9/2017</a:t>
             </a:fld>
             <a:endParaRPr lang="en-US"/>
           </a:p>
@@ -1817,7 +1823,7 @@
           <a:p>
             <a:fld id="{A7F415A6-64A5-4015-AA77-572A39F8F1DB}" type="datetimeFigureOut">
               <a:rPr lang="en-US" smtClean="0"/>
-              <a:t>11/5/2017</a:t>
+              <a:t>11/9/2017</a:t>
             </a:fld>
             <a:endParaRPr lang="en-US"/>
           </a:p>
@@ -2094,7 +2100,7 @@
           <a:p>
             <a:fld id="{A7F415A6-64A5-4015-AA77-572A39F8F1DB}" type="datetimeFigureOut">
               <a:rPr lang="en-US" smtClean="0"/>
-              <a:t>11/5/2017</a:t>
+              <a:t>11/9/2017</a:t>
             </a:fld>
             <a:endParaRPr lang="en-US"/>
           </a:p>
@@ -2347,7 +2353,7 @@
           <a:p>
             <a:fld id="{A7F415A6-64A5-4015-AA77-572A39F8F1DB}" type="datetimeFigureOut">
               <a:rPr lang="en-US" smtClean="0"/>
-              <a:t>11/5/2017</a:t>
+              <a:t>11/9/2017</a:t>
             </a:fld>
             <a:endParaRPr lang="en-US"/>
           </a:p>
@@ -2560,7 +2566,7 @@
           <a:p>
             <a:fld id="{A7F415A6-64A5-4015-AA77-572A39F8F1DB}" type="datetimeFigureOut">
               <a:rPr lang="en-US" smtClean="0"/>
-              <a:t>11/5/2017</a:t>
+              <a:t>11/9/2017</a:t>
             </a:fld>
             <a:endParaRPr lang="en-US"/>
           </a:p>
@@ -3087,7 +3093,11 @@
             </a:pPr>
             <a:r>
               <a:rPr lang="en-US" b="1" dirty="0"/>
-              <a:t>Goal of this assignment</a:t>
+              <a:t>Goal of this </a:t>
+            </a:r>
+            <a:r>
+              <a:rPr lang="en-US" b="1" dirty="0" smtClean="0"/>
+              <a:t>case-study</a:t>
             </a:r>
             <a:endParaRPr lang="en-US" dirty="0"/>
           </a:p>
@@ -3162,6 +3172,13 @@
   <p:clrMapOvr>
     <a:masterClrMapping/>
   </p:clrMapOvr>
+  <p:timing>
+    <p:tnLst>
+      <p:par>
+        <p:cTn id="1" dur="indefinite" restart="never" nodeType="tmRoot"/>
+      </p:par>
+    </p:tnLst>
+  </p:timing>
 </p:sld>
 </file>
 
@@ -3217,6 +3234,956 @@
   <p:clrMapOvr>
     <a:masterClrMapping/>
   </p:clrMapOvr>
+  <p:timing>
+    <p:tnLst>
+      <p:par>
+        <p:cTn id="1" dur="indefinite" restart="never" nodeType="tmRoot"/>
+      </p:par>
+    </p:tnLst>
+  </p:timing>
+</p:sld>
+</file>
+
+<file path=ppt/slides/slide3.xml><?xml version="1.0" encoding="utf-8"?>
+<p:sld xmlns:a="http://schemas.openxmlformats.org/drawingml/2006/main" xmlns:r="http://schemas.openxmlformats.org/officeDocument/2006/relationships" xmlns:p="http://schemas.openxmlformats.org/presentationml/2006/main">
+  <p:cSld>
+    <p:spTree>
+      <p:nvGrpSpPr>
+        <p:cNvPr id="1" name=""/>
+        <p:cNvGrpSpPr/>
+        <p:nvPr/>
+      </p:nvGrpSpPr>
+      <p:grpSpPr>
+        <a:xfrm>
+          <a:off x="0" y="0"/>
+          <a:ext cx="0" cy="0"/>
+          <a:chOff x="0" y="0"/>
+          <a:chExt cx="0" cy="0"/>
+        </a:xfrm>
+      </p:grpSpPr>
+      <p:sp>
+        <p:nvSpPr>
+          <p:cNvPr id="4" name="Rounded Rectangle 3"/>
+          <p:cNvSpPr/>
+          <p:nvPr/>
+        </p:nvSpPr>
+        <p:spPr>
+          <a:xfrm>
+            <a:off x="345055" y="131554"/>
+            <a:ext cx="957532" cy="336430"/>
+          </a:xfrm>
+          <a:prstGeom prst="roundRect">
+            <a:avLst/>
+          </a:prstGeom>
+        </p:spPr>
+        <p:style>
+          <a:lnRef idx="2">
+            <a:schemeClr val="accent1">
+              <a:shade val="50000"/>
+            </a:schemeClr>
+          </a:lnRef>
+          <a:fillRef idx="1">
+            <a:schemeClr val="accent1"/>
+          </a:fillRef>
+          <a:effectRef idx="0">
+            <a:schemeClr val="accent1"/>
+          </a:effectRef>
+          <a:fontRef idx="minor">
+            <a:schemeClr val="lt1"/>
+          </a:fontRef>
+        </p:style>
+        <p:txBody>
+          <a:bodyPr rtlCol="0" anchor="ctr"/>
+          <a:lstStyle/>
+          <a:p>
+            <a:pPr algn="ctr"/>
+            <a:r>
+              <a:rPr lang="en-US" sz="1400" dirty="0" smtClean="0"/>
+              <a:t>Start</a:t>
+            </a:r>
+            <a:endParaRPr lang="en-US" sz="1400" dirty="0"/>
+          </a:p>
+        </p:txBody>
+      </p:sp>
+      <p:sp>
+        <p:nvSpPr>
+          <p:cNvPr id="5" name="Rounded Rectangle 4"/>
+          <p:cNvSpPr/>
+          <p:nvPr/>
+        </p:nvSpPr>
+        <p:spPr>
+          <a:xfrm>
+            <a:off x="138022" y="825261"/>
+            <a:ext cx="1492369" cy="336430"/>
+          </a:xfrm>
+          <a:prstGeom prst="roundRect">
+            <a:avLst/>
+          </a:prstGeom>
+        </p:spPr>
+        <p:style>
+          <a:lnRef idx="2">
+            <a:schemeClr val="accent1">
+              <a:shade val="50000"/>
+            </a:schemeClr>
+          </a:lnRef>
+          <a:fillRef idx="1">
+            <a:schemeClr val="accent1"/>
+          </a:fillRef>
+          <a:effectRef idx="0">
+            <a:schemeClr val="accent1"/>
+          </a:effectRef>
+          <a:fontRef idx="minor">
+            <a:schemeClr val="lt1"/>
+          </a:fontRef>
+        </p:style>
+        <p:txBody>
+          <a:bodyPr rtlCol="0" anchor="ctr"/>
+          <a:lstStyle/>
+          <a:p>
+            <a:pPr algn="ctr"/>
+            <a:r>
+              <a:rPr lang="en-US" sz="1200" dirty="0" smtClean="0"/>
+              <a:t>Load CSV</a:t>
+            </a:r>
+            <a:endParaRPr lang="en-US" sz="1200" dirty="0"/>
+          </a:p>
+        </p:txBody>
+      </p:sp>
+      <p:sp>
+        <p:nvSpPr>
+          <p:cNvPr id="6" name="Rounded Rectangle 5"/>
+          <p:cNvSpPr/>
+          <p:nvPr/>
+        </p:nvSpPr>
+        <p:spPr>
+          <a:xfrm>
+            <a:off x="138022" y="1539815"/>
+            <a:ext cx="1492369" cy="383875"/>
+          </a:xfrm>
+          <a:prstGeom prst="roundRect">
+            <a:avLst/>
+          </a:prstGeom>
+        </p:spPr>
+        <p:style>
+          <a:lnRef idx="2">
+            <a:schemeClr val="accent1">
+              <a:shade val="50000"/>
+            </a:schemeClr>
+          </a:lnRef>
+          <a:fillRef idx="1">
+            <a:schemeClr val="accent1"/>
+          </a:fillRef>
+          <a:effectRef idx="0">
+            <a:schemeClr val="accent1"/>
+          </a:effectRef>
+          <a:fontRef idx="minor">
+            <a:schemeClr val="lt1"/>
+          </a:fontRef>
+        </p:style>
+        <p:txBody>
+          <a:bodyPr rtlCol="0" anchor="ctr"/>
+          <a:lstStyle/>
+          <a:p>
+            <a:pPr algn="ctr"/>
+            <a:r>
+              <a:rPr lang="en-US" sz="1400" dirty="0" smtClean="0"/>
+              <a:t>Convert into factors</a:t>
+            </a:r>
+            <a:endParaRPr lang="en-US" sz="1400" dirty="0"/>
+          </a:p>
+        </p:txBody>
+      </p:sp>
+      <p:sp>
+        <p:nvSpPr>
+          <p:cNvPr id="7" name="Rounded Rectangle 6"/>
+          <p:cNvSpPr/>
+          <p:nvPr/>
+        </p:nvSpPr>
+        <p:spPr>
+          <a:xfrm>
+            <a:off x="138022" y="2301814"/>
+            <a:ext cx="1768416" cy="665673"/>
+          </a:xfrm>
+          <a:prstGeom prst="roundRect">
+            <a:avLst/>
+          </a:prstGeom>
+        </p:spPr>
+        <p:style>
+          <a:lnRef idx="2">
+            <a:schemeClr val="accent1">
+              <a:shade val="50000"/>
+            </a:schemeClr>
+          </a:lnRef>
+          <a:fillRef idx="1">
+            <a:schemeClr val="accent1"/>
+          </a:fillRef>
+          <a:effectRef idx="0">
+            <a:schemeClr val="accent1"/>
+          </a:effectRef>
+          <a:fontRef idx="minor">
+            <a:schemeClr val="lt1"/>
+          </a:fontRef>
+        </p:style>
+        <p:txBody>
+          <a:bodyPr rtlCol="0" anchor="ctr"/>
+          <a:lstStyle/>
+          <a:p>
+            <a:r>
+              <a:rPr lang="en-US" sz="1400" dirty="0" smtClean="0"/>
+              <a:t>Segregate the car name into company name and model</a:t>
+            </a:r>
+            <a:endParaRPr lang="en-US" sz="1400" dirty="0"/>
+          </a:p>
+        </p:txBody>
+      </p:sp>
+      <p:sp>
+        <p:nvSpPr>
+          <p:cNvPr id="8" name="Rounded Rectangle 7"/>
+          <p:cNvSpPr/>
+          <p:nvPr/>
+        </p:nvSpPr>
+        <p:spPr>
+          <a:xfrm>
+            <a:off x="138022" y="3345611"/>
+            <a:ext cx="1492369" cy="383875"/>
+          </a:xfrm>
+          <a:prstGeom prst="roundRect">
+            <a:avLst/>
+          </a:prstGeom>
+        </p:spPr>
+        <p:style>
+          <a:lnRef idx="2">
+            <a:schemeClr val="accent1">
+              <a:shade val="50000"/>
+            </a:schemeClr>
+          </a:lnRef>
+          <a:fillRef idx="1">
+            <a:schemeClr val="accent1"/>
+          </a:fillRef>
+          <a:effectRef idx="0">
+            <a:schemeClr val="accent1"/>
+          </a:effectRef>
+          <a:fontRef idx="minor">
+            <a:schemeClr val="lt1"/>
+          </a:fontRef>
+        </p:style>
+        <p:txBody>
+          <a:bodyPr rtlCol="0" anchor="ctr"/>
+          <a:lstStyle/>
+          <a:p>
+            <a:pPr algn="ctr"/>
+            <a:r>
+              <a:rPr lang="en-US" sz="1400" dirty="0" smtClean="0"/>
+              <a:t>Check for missing value</a:t>
+            </a:r>
+            <a:endParaRPr lang="en-US" sz="1400" dirty="0"/>
+          </a:p>
+        </p:txBody>
+      </p:sp>
+      <p:sp>
+        <p:nvSpPr>
+          <p:cNvPr id="9" name="Rounded Rectangle 8"/>
+          <p:cNvSpPr/>
+          <p:nvPr/>
+        </p:nvSpPr>
+        <p:spPr>
+          <a:xfrm>
+            <a:off x="138022" y="4107610"/>
+            <a:ext cx="1492369" cy="383875"/>
+          </a:xfrm>
+          <a:prstGeom prst="roundRect">
+            <a:avLst/>
+          </a:prstGeom>
+        </p:spPr>
+        <p:style>
+          <a:lnRef idx="2">
+            <a:schemeClr val="accent1">
+              <a:shade val="50000"/>
+            </a:schemeClr>
+          </a:lnRef>
+          <a:fillRef idx="1">
+            <a:schemeClr val="accent1"/>
+          </a:fillRef>
+          <a:effectRef idx="0">
+            <a:schemeClr val="accent1"/>
+          </a:effectRef>
+          <a:fontRef idx="minor">
+            <a:schemeClr val="lt1"/>
+          </a:fontRef>
+        </p:style>
+        <p:txBody>
+          <a:bodyPr rtlCol="0" anchor="ctr"/>
+          <a:lstStyle/>
+          <a:p>
+            <a:pPr algn="ctr"/>
+            <a:r>
+              <a:rPr lang="en-US" sz="1400" dirty="0" smtClean="0"/>
+              <a:t>Check for duplicate value</a:t>
+            </a:r>
+            <a:endParaRPr lang="en-US" sz="1400" dirty="0"/>
+          </a:p>
+        </p:txBody>
+      </p:sp>
+      <p:sp>
+        <p:nvSpPr>
+          <p:cNvPr id="10" name="Rounded Rectangle 9"/>
+          <p:cNvSpPr/>
+          <p:nvPr/>
+        </p:nvSpPr>
+        <p:spPr>
+          <a:xfrm>
+            <a:off x="138021" y="4869609"/>
+            <a:ext cx="1768417" cy="625417"/>
+          </a:xfrm>
+          <a:prstGeom prst="roundRect">
+            <a:avLst/>
+          </a:prstGeom>
+        </p:spPr>
+        <p:style>
+          <a:lnRef idx="2">
+            <a:schemeClr val="accent1">
+              <a:shade val="50000"/>
+            </a:schemeClr>
+          </a:lnRef>
+          <a:fillRef idx="1">
+            <a:schemeClr val="accent1"/>
+          </a:fillRef>
+          <a:effectRef idx="0">
+            <a:schemeClr val="accent1"/>
+          </a:effectRef>
+          <a:fontRef idx="minor">
+            <a:schemeClr val="lt1"/>
+          </a:fontRef>
+        </p:style>
+        <p:txBody>
+          <a:bodyPr rtlCol="0" anchor="ctr"/>
+          <a:lstStyle/>
+          <a:p>
+            <a:pPr algn="ctr"/>
+            <a:r>
+              <a:rPr lang="en-US" sz="1400" dirty="0" smtClean="0"/>
+              <a:t>Segregate data into test &amp; training data </a:t>
+            </a:r>
+            <a:endParaRPr lang="en-US" sz="1400" dirty="0"/>
+          </a:p>
+        </p:txBody>
+      </p:sp>
+      <p:sp>
+        <p:nvSpPr>
+          <p:cNvPr id="11" name="Rounded Rectangle 10"/>
+          <p:cNvSpPr/>
+          <p:nvPr/>
+        </p:nvSpPr>
+        <p:spPr>
+          <a:xfrm>
+            <a:off x="5863085" y="170371"/>
+            <a:ext cx="1768417" cy="625417"/>
+          </a:xfrm>
+          <a:prstGeom prst="roundRect">
+            <a:avLst/>
+          </a:prstGeom>
+        </p:spPr>
+        <p:style>
+          <a:lnRef idx="2">
+            <a:schemeClr val="accent1">
+              <a:shade val="50000"/>
+            </a:schemeClr>
+          </a:lnRef>
+          <a:fillRef idx="1">
+            <a:schemeClr val="accent1"/>
+          </a:fillRef>
+          <a:effectRef idx="0">
+            <a:schemeClr val="accent1"/>
+          </a:effectRef>
+          <a:fontRef idx="minor">
+            <a:schemeClr val="lt1"/>
+          </a:fontRef>
+        </p:style>
+        <p:txBody>
+          <a:bodyPr rtlCol="0" anchor="ctr"/>
+          <a:lstStyle/>
+          <a:p>
+            <a:pPr algn="ctr"/>
+            <a:r>
+              <a:rPr lang="en-US" sz="1400" dirty="0" smtClean="0"/>
+              <a:t>Make a first model </a:t>
+            </a:r>
+            <a:endParaRPr lang="en-US" sz="1400" dirty="0"/>
+          </a:p>
+        </p:txBody>
+      </p:sp>
+      <p:sp>
+        <p:nvSpPr>
+          <p:cNvPr id="12" name="Rounded Rectangle 11"/>
+          <p:cNvSpPr/>
+          <p:nvPr/>
+        </p:nvSpPr>
+        <p:spPr>
+          <a:xfrm>
+            <a:off x="5926343" y="1167442"/>
+            <a:ext cx="1768417" cy="625417"/>
+          </a:xfrm>
+          <a:prstGeom prst="roundRect">
+            <a:avLst/>
+          </a:prstGeom>
+        </p:spPr>
+        <p:style>
+          <a:lnRef idx="2">
+            <a:schemeClr val="accent1">
+              <a:shade val="50000"/>
+            </a:schemeClr>
+          </a:lnRef>
+          <a:fillRef idx="1">
+            <a:schemeClr val="accent1"/>
+          </a:fillRef>
+          <a:effectRef idx="0">
+            <a:schemeClr val="accent1"/>
+          </a:effectRef>
+          <a:fontRef idx="minor">
+            <a:schemeClr val="lt1"/>
+          </a:fontRef>
+        </p:style>
+        <p:txBody>
+          <a:bodyPr rtlCol="0" anchor="ctr"/>
+          <a:lstStyle/>
+          <a:p>
+            <a:pPr algn="ctr"/>
+            <a:r>
+              <a:rPr lang="en-US" sz="1400" dirty="0" smtClean="0"/>
+              <a:t>Execute the </a:t>
+            </a:r>
+            <a:r>
+              <a:rPr lang="en-US" sz="1400" dirty="0" err="1" smtClean="0"/>
+              <a:t>stepAIC</a:t>
+            </a:r>
+            <a:r>
+              <a:rPr lang="en-US" sz="1400" dirty="0" smtClean="0"/>
+              <a:t> with both direction  </a:t>
+            </a:r>
+            <a:endParaRPr lang="en-US" sz="1400" dirty="0"/>
+          </a:p>
+        </p:txBody>
+      </p:sp>
+      <p:sp>
+        <p:nvSpPr>
+          <p:cNvPr id="13" name="Rounded Rectangle 12"/>
+          <p:cNvSpPr/>
+          <p:nvPr/>
+        </p:nvSpPr>
+        <p:spPr>
+          <a:xfrm>
+            <a:off x="6009732" y="2321941"/>
+            <a:ext cx="1768417" cy="625417"/>
+          </a:xfrm>
+          <a:prstGeom prst="roundRect">
+            <a:avLst/>
+          </a:prstGeom>
+        </p:spPr>
+        <p:style>
+          <a:lnRef idx="2">
+            <a:schemeClr val="accent1">
+              <a:shade val="50000"/>
+            </a:schemeClr>
+          </a:lnRef>
+          <a:fillRef idx="1">
+            <a:schemeClr val="accent1"/>
+          </a:fillRef>
+          <a:effectRef idx="0">
+            <a:schemeClr val="accent1"/>
+          </a:effectRef>
+          <a:fontRef idx="minor">
+            <a:schemeClr val="lt1"/>
+          </a:fontRef>
+        </p:style>
+        <p:txBody>
+          <a:bodyPr rtlCol="0" anchor="ctr"/>
+          <a:lstStyle/>
+          <a:p>
+            <a:pPr algn="ctr"/>
+            <a:r>
+              <a:rPr lang="en-US" sz="1400" dirty="0" smtClean="0"/>
+              <a:t>Keep checking the adjusted R^2 , P value and VIF</a:t>
+            </a:r>
+            <a:endParaRPr lang="en-US" sz="1400" dirty="0"/>
+          </a:p>
+        </p:txBody>
+      </p:sp>
+      <p:sp>
+        <p:nvSpPr>
+          <p:cNvPr id="14" name="Rounded Rectangle 13"/>
+          <p:cNvSpPr/>
+          <p:nvPr/>
+        </p:nvSpPr>
+        <p:spPr>
+          <a:xfrm>
+            <a:off x="5950786" y="3537548"/>
+            <a:ext cx="2001328" cy="1094837"/>
+          </a:xfrm>
+          <a:prstGeom prst="roundRect">
+            <a:avLst/>
+          </a:prstGeom>
+        </p:spPr>
+        <p:style>
+          <a:lnRef idx="2">
+            <a:schemeClr val="accent1">
+              <a:shade val="50000"/>
+            </a:schemeClr>
+          </a:lnRef>
+          <a:fillRef idx="1">
+            <a:schemeClr val="accent1"/>
+          </a:fillRef>
+          <a:effectRef idx="0">
+            <a:schemeClr val="accent1"/>
+          </a:effectRef>
+          <a:fontRef idx="minor">
+            <a:schemeClr val="lt1"/>
+          </a:fontRef>
+        </p:style>
+        <p:txBody>
+          <a:bodyPr rtlCol="0" anchor="ctr"/>
+          <a:lstStyle/>
+          <a:p>
+            <a:pPr algn="ctr"/>
+            <a:r>
+              <a:rPr lang="en-US" dirty="0" smtClean="0"/>
+              <a:t>Predict on the test data and check the R^2</a:t>
+            </a:r>
+            <a:endParaRPr lang="en-US" dirty="0"/>
+          </a:p>
+        </p:txBody>
+      </p:sp>
+      <p:sp>
+        <p:nvSpPr>
+          <p:cNvPr id="15" name="Rounded Rectangle 14"/>
+          <p:cNvSpPr/>
+          <p:nvPr/>
+        </p:nvSpPr>
+        <p:spPr>
+          <a:xfrm>
+            <a:off x="6415174" y="5093178"/>
+            <a:ext cx="957532" cy="336430"/>
+          </a:xfrm>
+          <a:prstGeom prst="roundRect">
+            <a:avLst/>
+          </a:prstGeom>
+        </p:spPr>
+        <p:style>
+          <a:lnRef idx="2">
+            <a:schemeClr val="accent1">
+              <a:shade val="50000"/>
+            </a:schemeClr>
+          </a:lnRef>
+          <a:fillRef idx="1">
+            <a:schemeClr val="accent1"/>
+          </a:fillRef>
+          <a:effectRef idx="0">
+            <a:schemeClr val="accent1"/>
+          </a:effectRef>
+          <a:fontRef idx="minor">
+            <a:schemeClr val="lt1"/>
+          </a:fontRef>
+        </p:style>
+        <p:txBody>
+          <a:bodyPr rtlCol="0" anchor="ctr"/>
+          <a:lstStyle/>
+          <a:p>
+            <a:pPr algn="ctr"/>
+            <a:r>
+              <a:rPr lang="en-US" sz="1400" dirty="0" smtClean="0"/>
+              <a:t>End</a:t>
+            </a:r>
+            <a:endParaRPr lang="en-US" sz="1400" dirty="0"/>
+          </a:p>
+        </p:txBody>
+      </p:sp>
+      <p:cxnSp>
+        <p:nvCxnSpPr>
+          <p:cNvPr id="17" name="Straight Arrow Connector 16"/>
+          <p:cNvCxnSpPr>
+            <a:stCxn id="4" idx="2"/>
+          </p:cNvCxnSpPr>
+          <p:nvPr/>
+        </p:nvCxnSpPr>
+        <p:spPr>
+          <a:xfrm>
+            <a:off x="823821" y="467984"/>
+            <a:ext cx="0" cy="357277"/>
+          </a:xfrm>
+          <a:prstGeom prst="straightConnector1">
+            <a:avLst/>
+          </a:prstGeom>
+          <a:ln>
+            <a:tailEnd type="triangle"/>
+          </a:ln>
+        </p:spPr>
+        <p:style>
+          <a:lnRef idx="1">
+            <a:schemeClr val="accent1"/>
+          </a:lnRef>
+          <a:fillRef idx="0">
+            <a:schemeClr val="accent1"/>
+          </a:fillRef>
+          <a:effectRef idx="0">
+            <a:schemeClr val="accent1"/>
+          </a:effectRef>
+          <a:fontRef idx="minor">
+            <a:schemeClr val="tx1"/>
+          </a:fontRef>
+        </p:style>
+      </p:cxnSp>
+      <p:cxnSp>
+        <p:nvCxnSpPr>
+          <p:cNvPr id="18" name="Straight Arrow Connector 17"/>
+          <p:cNvCxnSpPr/>
+          <p:nvPr/>
+        </p:nvCxnSpPr>
+        <p:spPr>
+          <a:xfrm>
+            <a:off x="884206" y="1182538"/>
+            <a:ext cx="0" cy="357277"/>
+          </a:xfrm>
+          <a:prstGeom prst="straightConnector1">
+            <a:avLst/>
+          </a:prstGeom>
+          <a:ln>
+            <a:tailEnd type="triangle"/>
+          </a:ln>
+        </p:spPr>
+        <p:style>
+          <a:lnRef idx="1">
+            <a:schemeClr val="accent1"/>
+          </a:lnRef>
+          <a:fillRef idx="0">
+            <a:schemeClr val="accent1"/>
+          </a:fillRef>
+          <a:effectRef idx="0">
+            <a:schemeClr val="accent1"/>
+          </a:effectRef>
+          <a:fontRef idx="minor">
+            <a:schemeClr val="tx1"/>
+          </a:fontRef>
+        </p:style>
+      </p:cxnSp>
+      <p:cxnSp>
+        <p:nvCxnSpPr>
+          <p:cNvPr id="19" name="Straight Arrow Connector 18"/>
+          <p:cNvCxnSpPr/>
+          <p:nvPr/>
+        </p:nvCxnSpPr>
+        <p:spPr>
+          <a:xfrm>
+            <a:off x="877016" y="1923690"/>
+            <a:ext cx="0" cy="357277"/>
+          </a:xfrm>
+          <a:prstGeom prst="straightConnector1">
+            <a:avLst/>
+          </a:prstGeom>
+          <a:ln>
+            <a:tailEnd type="triangle"/>
+          </a:ln>
+        </p:spPr>
+        <p:style>
+          <a:lnRef idx="1">
+            <a:schemeClr val="accent1"/>
+          </a:lnRef>
+          <a:fillRef idx="0">
+            <a:schemeClr val="accent1"/>
+          </a:fillRef>
+          <a:effectRef idx="0">
+            <a:schemeClr val="accent1"/>
+          </a:effectRef>
+          <a:fontRef idx="minor">
+            <a:schemeClr val="tx1"/>
+          </a:fontRef>
+        </p:style>
+      </p:cxnSp>
+      <p:cxnSp>
+        <p:nvCxnSpPr>
+          <p:cNvPr id="20" name="Straight Arrow Connector 19"/>
+          <p:cNvCxnSpPr/>
+          <p:nvPr/>
+        </p:nvCxnSpPr>
+        <p:spPr>
+          <a:xfrm>
+            <a:off x="877016" y="2988334"/>
+            <a:ext cx="0" cy="357277"/>
+          </a:xfrm>
+          <a:prstGeom prst="straightConnector1">
+            <a:avLst/>
+          </a:prstGeom>
+          <a:ln>
+            <a:tailEnd type="triangle"/>
+          </a:ln>
+        </p:spPr>
+        <p:style>
+          <a:lnRef idx="1">
+            <a:schemeClr val="accent1"/>
+          </a:lnRef>
+          <a:fillRef idx="0">
+            <a:schemeClr val="accent1"/>
+          </a:fillRef>
+          <a:effectRef idx="0">
+            <a:schemeClr val="accent1"/>
+          </a:effectRef>
+          <a:fontRef idx="minor">
+            <a:schemeClr val="tx1"/>
+          </a:fontRef>
+        </p:style>
+      </p:cxnSp>
+      <p:cxnSp>
+        <p:nvCxnSpPr>
+          <p:cNvPr id="21" name="Straight Arrow Connector 20"/>
+          <p:cNvCxnSpPr/>
+          <p:nvPr/>
+        </p:nvCxnSpPr>
+        <p:spPr>
+          <a:xfrm>
+            <a:off x="861199" y="3727689"/>
+            <a:ext cx="0" cy="357277"/>
+          </a:xfrm>
+          <a:prstGeom prst="straightConnector1">
+            <a:avLst/>
+          </a:prstGeom>
+          <a:ln>
+            <a:tailEnd type="triangle"/>
+          </a:ln>
+        </p:spPr>
+        <p:style>
+          <a:lnRef idx="1">
+            <a:schemeClr val="accent1"/>
+          </a:lnRef>
+          <a:fillRef idx="0">
+            <a:schemeClr val="accent1"/>
+          </a:fillRef>
+          <a:effectRef idx="0">
+            <a:schemeClr val="accent1"/>
+          </a:effectRef>
+          <a:fontRef idx="minor">
+            <a:schemeClr val="tx1"/>
+          </a:fontRef>
+        </p:style>
+      </p:cxnSp>
+      <p:cxnSp>
+        <p:nvCxnSpPr>
+          <p:cNvPr id="22" name="Straight Arrow Connector 21"/>
+          <p:cNvCxnSpPr/>
+          <p:nvPr/>
+        </p:nvCxnSpPr>
+        <p:spPr>
+          <a:xfrm>
+            <a:off x="869826" y="4491485"/>
+            <a:ext cx="0" cy="357277"/>
+          </a:xfrm>
+          <a:prstGeom prst="straightConnector1">
+            <a:avLst/>
+          </a:prstGeom>
+          <a:ln>
+            <a:tailEnd type="triangle"/>
+          </a:ln>
+        </p:spPr>
+        <p:style>
+          <a:lnRef idx="1">
+            <a:schemeClr val="accent1"/>
+          </a:lnRef>
+          <a:fillRef idx="0">
+            <a:schemeClr val="accent1"/>
+          </a:fillRef>
+          <a:effectRef idx="0">
+            <a:schemeClr val="accent1"/>
+          </a:effectRef>
+          <a:fontRef idx="minor">
+            <a:schemeClr val="tx1"/>
+          </a:fontRef>
+        </p:style>
+      </p:cxnSp>
+      <p:cxnSp>
+        <p:nvCxnSpPr>
+          <p:cNvPr id="23" name="Straight Arrow Connector 22"/>
+          <p:cNvCxnSpPr/>
+          <p:nvPr/>
+        </p:nvCxnSpPr>
+        <p:spPr>
+          <a:xfrm>
+            <a:off x="6810551" y="795788"/>
+            <a:ext cx="0" cy="357277"/>
+          </a:xfrm>
+          <a:prstGeom prst="straightConnector1">
+            <a:avLst/>
+          </a:prstGeom>
+          <a:ln>
+            <a:tailEnd type="triangle"/>
+          </a:ln>
+        </p:spPr>
+        <p:style>
+          <a:lnRef idx="1">
+            <a:schemeClr val="accent1"/>
+          </a:lnRef>
+          <a:fillRef idx="0">
+            <a:schemeClr val="accent1"/>
+          </a:fillRef>
+          <a:effectRef idx="0">
+            <a:schemeClr val="accent1"/>
+          </a:effectRef>
+          <a:fontRef idx="minor">
+            <a:schemeClr val="tx1"/>
+          </a:fontRef>
+        </p:style>
+      </p:cxnSp>
+      <p:cxnSp>
+        <p:nvCxnSpPr>
+          <p:cNvPr id="24" name="Straight Arrow Connector 23"/>
+          <p:cNvCxnSpPr/>
+          <p:nvPr/>
+        </p:nvCxnSpPr>
+        <p:spPr>
+          <a:xfrm>
+            <a:off x="6810551" y="1792859"/>
+            <a:ext cx="0" cy="508955"/>
+          </a:xfrm>
+          <a:prstGeom prst="straightConnector1">
+            <a:avLst/>
+          </a:prstGeom>
+          <a:ln>
+            <a:tailEnd type="triangle"/>
+          </a:ln>
+        </p:spPr>
+        <p:style>
+          <a:lnRef idx="1">
+            <a:schemeClr val="accent1"/>
+          </a:lnRef>
+          <a:fillRef idx="0">
+            <a:schemeClr val="accent1"/>
+          </a:fillRef>
+          <a:effectRef idx="0">
+            <a:schemeClr val="accent1"/>
+          </a:effectRef>
+          <a:fontRef idx="minor">
+            <a:schemeClr val="tx1"/>
+          </a:fontRef>
+        </p:style>
+      </p:cxnSp>
+      <p:cxnSp>
+        <p:nvCxnSpPr>
+          <p:cNvPr id="26" name="Straight Arrow Connector 25"/>
+          <p:cNvCxnSpPr/>
+          <p:nvPr/>
+        </p:nvCxnSpPr>
+        <p:spPr>
+          <a:xfrm flipH="1">
+            <a:off x="6810551" y="2967487"/>
+            <a:ext cx="1436" cy="570061"/>
+          </a:xfrm>
+          <a:prstGeom prst="straightConnector1">
+            <a:avLst/>
+          </a:prstGeom>
+          <a:ln>
+            <a:tailEnd type="triangle"/>
+          </a:ln>
+        </p:spPr>
+        <p:style>
+          <a:lnRef idx="1">
+            <a:schemeClr val="accent1"/>
+          </a:lnRef>
+          <a:fillRef idx="0">
+            <a:schemeClr val="accent1"/>
+          </a:fillRef>
+          <a:effectRef idx="0">
+            <a:schemeClr val="accent1"/>
+          </a:effectRef>
+          <a:fontRef idx="minor">
+            <a:schemeClr val="tx1"/>
+          </a:fontRef>
+        </p:style>
+      </p:cxnSp>
+      <p:cxnSp>
+        <p:nvCxnSpPr>
+          <p:cNvPr id="28" name="Straight Arrow Connector 27"/>
+          <p:cNvCxnSpPr/>
+          <p:nvPr/>
+        </p:nvCxnSpPr>
+        <p:spPr>
+          <a:xfrm>
+            <a:off x="6893940" y="4632385"/>
+            <a:ext cx="0" cy="448573"/>
+          </a:xfrm>
+          <a:prstGeom prst="straightConnector1">
+            <a:avLst/>
+          </a:prstGeom>
+          <a:ln>
+            <a:tailEnd type="triangle"/>
+          </a:ln>
+        </p:spPr>
+        <p:style>
+          <a:lnRef idx="1">
+            <a:schemeClr val="accent1"/>
+          </a:lnRef>
+          <a:fillRef idx="0">
+            <a:schemeClr val="accent1"/>
+          </a:fillRef>
+          <a:effectRef idx="0">
+            <a:schemeClr val="accent1"/>
+          </a:effectRef>
+          <a:fontRef idx="minor">
+            <a:schemeClr val="tx1"/>
+          </a:fontRef>
+        </p:style>
+      </p:cxnSp>
+      <p:cxnSp>
+        <p:nvCxnSpPr>
+          <p:cNvPr id="31" name="Elbow Connector 30"/>
+          <p:cNvCxnSpPr>
+            <a:stCxn id="10" idx="2"/>
+            <a:endCxn id="11" idx="1"/>
+          </p:cNvCxnSpPr>
+          <p:nvPr/>
+        </p:nvCxnSpPr>
+        <p:spPr>
+          <a:xfrm rot="5400000" flipH="1" flipV="1">
+            <a:off x="936684" y="568625"/>
+            <a:ext cx="5011946" cy="4840855"/>
+          </a:xfrm>
+          <a:prstGeom prst="bentConnector4">
+            <a:avLst>
+              <a:gd name="adj1" fmla="val -4561"/>
+              <a:gd name="adj2" fmla="val 59133"/>
+            </a:avLst>
+          </a:prstGeom>
+          <a:ln>
+            <a:tailEnd type="triangle"/>
+          </a:ln>
+        </p:spPr>
+        <p:style>
+          <a:lnRef idx="1">
+            <a:schemeClr val="accent1"/>
+          </a:lnRef>
+          <a:fillRef idx="0">
+            <a:schemeClr val="accent1"/>
+          </a:fillRef>
+          <a:effectRef idx="0">
+            <a:schemeClr val="accent1"/>
+          </a:effectRef>
+          <a:fontRef idx="minor">
+            <a:schemeClr val="tx1"/>
+          </a:fontRef>
+        </p:style>
+      </p:cxnSp>
+    </p:spTree>
+    <p:extLst>
+      <p:ext uri="{BB962C8B-B14F-4D97-AF65-F5344CB8AC3E}">
+        <p14:creationId xmlns:p14="http://schemas.microsoft.com/office/powerpoint/2010/main" val="313356603"/>
+      </p:ext>
+    </p:extLst>
+  </p:cSld>
+  <p:clrMapOvr>
+    <a:masterClrMapping/>
+  </p:clrMapOvr>
+  <p:timing>
+    <p:tnLst>
+      <p:par>
+        <p:cTn id="1" dur="indefinite" restart="never" nodeType="tmRoot"/>
+      </p:par>
+    </p:tnLst>
+  </p:timing>
 </p:sld>
 </file>
 

--- a/liner-regression/business scenario/linerRegression.pptx
+++ b/liner-regression/business scenario/linerRegression.pptx
@@ -245,7 +245,7 @@
           <a:p>
             <a:fld id="{A7F415A6-64A5-4015-AA77-572A39F8F1DB}" type="datetimeFigureOut">
               <a:rPr lang="en-US" smtClean="0"/>
-              <a:t>11/9/2017</a:t>
+              <a:t>11/11/2017</a:t>
             </a:fld>
             <a:endParaRPr lang="en-US"/>
           </a:p>
@@ -415,7 +415,7 @@
           <a:p>
             <a:fld id="{A7F415A6-64A5-4015-AA77-572A39F8F1DB}" type="datetimeFigureOut">
               <a:rPr lang="en-US" smtClean="0"/>
-              <a:t>11/9/2017</a:t>
+              <a:t>11/11/2017</a:t>
             </a:fld>
             <a:endParaRPr lang="en-US"/>
           </a:p>
@@ -595,7 +595,7 @@
           <a:p>
             <a:fld id="{A7F415A6-64A5-4015-AA77-572A39F8F1DB}" type="datetimeFigureOut">
               <a:rPr lang="en-US" smtClean="0"/>
-              <a:t>11/9/2017</a:t>
+              <a:t>11/11/2017</a:t>
             </a:fld>
             <a:endParaRPr lang="en-US"/>
           </a:p>
@@ -765,7 +765,7 @@
           <a:p>
             <a:fld id="{A7F415A6-64A5-4015-AA77-572A39F8F1DB}" type="datetimeFigureOut">
               <a:rPr lang="en-US" smtClean="0"/>
-              <a:t>11/9/2017</a:t>
+              <a:t>11/11/2017</a:t>
             </a:fld>
             <a:endParaRPr lang="en-US"/>
           </a:p>
@@ -1011,7 +1011,7 @@
           <a:p>
             <a:fld id="{A7F415A6-64A5-4015-AA77-572A39F8F1DB}" type="datetimeFigureOut">
               <a:rPr lang="en-US" smtClean="0"/>
-              <a:t>11/9/2017</a:t>
+              <a:t>11/11/2017</a:t>
             </a:fld>
             <a:endParaRPr lang="en-US"/>
           </a:p>
@@ -1243,7 +1243,7 @@
           <a:p>
             <a:fld id="{A7F415A6-64A5-4015-AA77-572A39F8F1DB}" type="datetimeFigureOut">
               <a:rPr lang="en-US" smtClean="0"/>
-              <a:t>11/9/2017</a:t>
+              <a:t>11/11/2017</a:t>
             </a:fld>
             <a:endParaRPr lang="en-US"/>
           </a:p>
@@ -1610,7 +1610,7 @@
           <a:p>
             <a:fld id="{A7F415A6-64A5-4015-AA77-572A39F8F1DB}" type="datetimeFigureOut">
               <a:rPr lang="en-US" smtClean="0"/>
-              <a:t>11/9/2017</a:t>
+              <a:t>11/11/2017</a:t>
             </a:fld>
             <a:endParaRPr lang="en-US"/>
           </a:p>
@@ -1728,7 +1728,7 @@
           <a:p>
             <a:fld id="{A7F415A6-64A5-4015-AA77-572A39F8F1DB}" type="datetimeFigureOut">
               <a:rPr lang="en-US" smtClean="0"/>
-              <a:t>11/9/2017</a:t>
+              <a:t>11/11/2017</a:t>
             </a:fld>
             <a:endParaRPr lang="en-US"/>
           </a:p>
@@ -1823,7 +1823,7 @@
           <a:p>
             <a:fld id="{A7F415A6-64A5-4015-AA77-572A39F8F1DB}" type="datetimeFigureOut">
               <a:rPr lang="en-US" smtClean="0"/>
-              <a:t>11/9/2017</a:t>
+              <a:t>11/11/2017</a:t>
             </a:fld>
             <a:endParaRPr lang="en-US"/>
           </a:p>
@@ -2100,7 +2100,7 @@
           <a:p>
             <a:fld id="{A7F415A6-64A5-4015-AA77-572A39F8F1DB}" type="datetimeFigureOut">
               <a:rPr lang="en-US" smtClean="0"/>
-              <a:t>11/9/2017</a:t>
+              <a:t>11/11/2017</a:t>
             </a:fld>
             <a:endParaRPr lang="en-US"/>
           </a:p>
@@ -2353,7 +2353,7 @@
           <a:p>
             <a:fld id="{A7F415A6-64A5-4015-AA77-572A39F8F1DB}" type="datetimeFigureOut">
               <a:rPr lang="en-US" smtClean="0"/>
-              <a:t>11/9/2017</a:t>
+              <a:t>11/11/2017</a:t>
             </a:fld>
             <a:endParaRPr lang="en-US"/>
           </a:p>
@@ -2566,7 +2566,7 @@
           <a:p>
             <a:fld id="{A7F415A6-64A5-4015-AA77-572A39F8F1DB}" type="datetimeFigureOut">
               <a:rPr lang="en-US" smtClean="0"/>
-              <a:t>11/9/2017</a:t>
+              <a:t>11/11/2017</a:t>
             </a:fld>
             <a:endParaRPr lang="en-US"/>
           </a:p>
@@ -3562,7 +3562,11 @@
             <a:pPr algn="ctr"/>
             <a:r>
               <a:rPr lang="en-US" sz="1400" dirty="0" smtClean="0"/>
-              <a:t>Segregate data into test &amp; training data </a:t>
+              <a:t>Segregate data into test &amp; training </a:t>
+            </a:r>
+            <a:r>
+              <a:rPr lang="en-US" sz="1400" dirty="0" smtClean="0"/>
+              <a:t>dataset </a:t>
             </a:r>
             <a:endParaRPr lang="en-US" sz="1400" dirty="0"/>
           </a:p>
@@ -3606,7 +3610,11 @@
             <a:pPr algn="ctr"/>
             <a:r>
               <a:rPr lang="en-US" sz="1400" dirty="0" smtClean="0"/>
-              <a:t>Make a first model </a:t>
+              <a:t>Make a first </a:t>
+            </a:r>
+            <a:r>
+              <a:rPr lang="en-US" sz="1400" dirty="0" smtClean="0"/>
+              <a:t>model using lm  </a:t>
             </a:r>
             <a:endParaRPr lang="en-US" sz="1400" dirty="0"/>
           </a:p>
